--- a/LatexTemplate/img/Prototyp/Präsentation1.pptx
+++ b/LatexTemplate/img/Prototyp/Präsentation1.pptx
@@ -243,7 +243,7 @@
           <a:p>
             <a:fld id="{3A4A0FDF-D329-4105-9A18-BE16299868E2}" type="datetimeFigureOut">
               <a:rPr lang="de-AT" smtClean="0"/>
-              <a:t>13.11.2016</a:t>
+              <a:t>27.11.2016</a:t>
             </a:fld>
             <a:endParaRPr lang="de-AT"/>
           </a:p>
@@ -413,7 +413,7 @@
           <a:p>
             <a:fld id="{3A4A0FDF-D329-4105-9A18-BE16299868E2}" type="datetimeFigureOut">
               <a:rPr lang="de-AT" smtClean="0"/>
-              <a:t>13.11.2016</a:t>
+              <a:t>27.11.2016</a:t>
             </a:fld>
             <a:endParaRPr lang="de-AT"/>
           </a:p>
@@ -593,7 +593,7 @@
           <a:p>
             <a:fld id="{3A4A0FDF-D329-4105-9A18-BE16299868E2}" type="datetimeFigureOut">
               <a:rPr lang="de-AT" smtClean="0"/>
-              <a:t>13.11.2016</a:t>
+              <a:t>27.11.2016</a:t>
             </a:fld>
             <a:endParaRPr lang="de-AT"/>
           </a:p>
@@ -763,7 +763,7 @@
           <a:p>
             <a:fld id="{3A4A0FDF-D329-4105-9A18-BE16299868E2}" type="datetimeFigureOut">
               <a:rPr lang="de-AT" smtClean="0"/>
-              <a:t>13.11.2016</a:t>
+              <a:t>27.11.2016</a:t>
             </a:fld>
             <a:endParaRPr lang="de-AT"/>
           </a:p>
@@ -1009,7 +1009,7 @@
           <a:p>
             <a:fld id="{3A4A0FDF-D329-4105-9A18-BE16299868E2}" type="datetimeFigureOut">
               <a:rPr lang="de-AT" smtClean="0"/>
-              <a:t>13.11.2016</a:t>
+              <a:t>27.11.2016</a:t>
             </a:fld>
             <a:endParaRPr lang="de-AT"/>
           </a:p>
@@ -1241,7 +1241,7 @@
           <a:p>
             <a:fld id="{3A4A0FDF-D329-4105-9A18-BE16299868E2}" type="datetimeFigureOut">
               <a:rPr lang="de-AT" smtClean="0"/>
-              <a:t>13.11.2016</a:t>
+              <a:t>27.11.2016</a:t>
             </a:fld>
             <a:endParaRPr lang="de-AT"/>
           </a:p>
@@ -1608,7 +1608,7 @@
           <a:p>
             <a:fld id="{3A4A0FDF-D329-4105-9A18-BE16299868E2}" type="datetimeFigureOut">
               <a:rPr lang="de-AT" smtClean="0"/>
-              <a:t>13.11.2016</a:t>
+              <a:t>27.11.2016</a:t>
             </a:fld>
             <a:endParaRPr lang="de-AT"/>
           </a:p>
@@ -1726,7 +1726,7 @@
           <a:p>
             <a:fld id="{3A4A0FDF-D329-4105-9A18-BE16299868E2}" type="datetimeFigureOut">
               <a:rPr lang="de-AT" smtClean="0"/>
-              <a:t>13.11.2016</a:t>
+              <a:t>27.11.2016</a:t>
             </a:fld>
             <a:endParaRPr lang="de-AT"/>
           </a:p>
@@ -1821,7 +1821,7 @@
           <a:p>
             <a:fld id="{3A4A0FDF-D329-4105-9A18-BE16299868E2}" type="datetimeFigureOut">
               <a:rPr lang="de-AT" smtClean="0"/>
-              <a:t>13.11.2016</a:t>
+              <a:t>27.11.2016</a:t>
             </a:fld>
             <a:endParaRPr lang="de-AT"/>
           </a:p>
@@ -2098,7 +2098,7 @@
           <a:p>
             <a:fld id="{3A4A0FDF-D329-4105-9A18-BE16299868E2}" type="datetimeFigureOut">
               <a:rPr lang="de-AT" smtClean="0"/>
-              <a:t>13.11.2016</a:t>
+              <a:t>27.11.2016</a:t>
             </a:fld>
             <a:endParaRPr lang="de-AT"/>
           </a:p>
@@ -2351,7 +2351,7 @@
           <a:p>
             <a:fld id="{3A4A0FDF-D329-4105-9A18-BE16299868E2}" type="datetimeFigureOut">
               <a:rPr lang="de-AT" smtClean="0"/>
-              <a:t>13.11.2016</a:t>
+              <a:t>27.11.2016</a:t>
             </a:fld>
             <a:endParaRPr lang="de-AT"/>
           </a:p>
@@ -2564,7 +2564,7 @@
           <a:p>
             <a:fld id="{3A4A0FDF-D329-4105-9A18-BE16299868E2}" type="datetimeFigureOut">
               <a:rPr lang="de-AT" smtClean="0"/>
-              <a:t>13.11.2016</a:t>
+              <a:t>27.11.2016</a:t>
             </a:fld>
             <a:endParaRPr lang="de-AT"/>
           </a:p>
@@ -2991,7 +2991,7 @@
         </p:blipFill>
         <p:spPr>
           <a:xfrm>
-            <a:off x="4475861" y="495279"/>
+            <a:off x="3678600" y="4073455"/>
             <a:ext cx="3746321" cy="2657940"/>
           </a:xfrm>
           <a:prstGeom prst="rect">
@@ -3021,7 +3021,7 @@
         </p:blipFill>
         <p:spPr>
           <a:xfrm>
-            <a:off x="639206" y="495279"/>
+            <a:off x="130434" y="2277426"/>
             <a:ext cx="3039394" cy="1569797"/>
           </a:xfrm>
           <a:prstGeom prst="rect">
@@ -3037,7 +3037,7 @@
         </p:nvSpPr>
         <p:spPr>
           <a:xfrm>
-            <a:off x="3577706" y="1829221"/>
+            <a:off x="3001877" y="3511321"/>
             <a:ext cx="335902" cy="335902"/>
           </a:xfrm>
           <a:prstGeom prst="ellipse">
@@ -3080,6 +3080,36 @@
           </a:p>
         </p:txBody>
       </p:sp>
+      <p:pic>
+        <p:nvPicPr>
+          <p:cNvPr id="2" name="Grafik 1"/>
+          <p:cNvPicPr>
+            <a:picLocks noChangeAspect="1"/>
+          </p:cNvPicPr>
+          <p:nvPr/>
+        </p:nvPicPr>
+        <p:blipFill>
+          <a:blip r:embed="rId4">
+            <a:extLst>
+              <a:ext uri="{28A0092B-C50C-407E-A947-70E740481C1C}">
+                <a14:useLocalDpi xmlns:a14="http://schemas.microsoft.com/office/drawing/2010/main" val="0"/>
+              </a:ext>
+            </a:extLst>
+          </a:blip>
+          <a:stretch>
+            <a:fillRect/>
+          </a:stretch>
+        </p:blipFill>
+        <p:spPr>
+          <a:xfrm>
+            <a:off x="130434" y="4111107"/>
+            <a:ext cx="3067050" cy="2647950"/>
+          </a:xfrm>
+          <a:prstGeom prst="rect">
+            <a:avLst/>
+          </a:prstGeom>
+        </p:spPr>
+      </p:pic>
       <p:sp>
         <p:nvSpPr>
           <p:cNvPr id="7" name="Ellipse 6"/>
@@ -3088,7 +3118,7 @@
         </p:nvSpPr>
         <p:spPr>
           <a:xfrm>
-            <a:off x="4795936" y="3320269"/>
+            <a:off x="3001877" y="4073455"/>
             <a:ext cx="335902" cy="335902"/>
           </a:xfrm>
           <a:prstGeom prst="ellipse">
@@ -3127,6 +3157,57 @@
             <a:r>
               <a:rPr lang="de-AT" dirty="0"/>
               <a:t>2</a:t>
+            </a:r>
+          </a:p>
+        </p:txBody>
+      </p:sp>
+      <p:sp>
+        <p:nvSpPr>
+          <p:cNvPr id="8" name="Ellipse 7"/>
+          <p:cNvSpPr/>
+          <p:nvPr/>
+        </p:nvSpPr>
+        <p:spPr>
+          <a:xfrm>
+            <a:off x="3650944" y="4081693"/>
+            <a:ext cx="335902" cy="335902"/>
+          </a:xfrm>
+          <a:prstGeom prst="ellipse">
+            <a:avLst/>
+          </a:prstGeom>
+          <a:solidFill>
+            <a:srgbClr val="FF0000"/>
+          </a:solidFill>
+          <a:ln>
+            <a:solidFill>
+              <a:srgbClr val="FF0000"/>
+            </a:solidFill>
+          </a:ln>
+        </p:spPr>
+        <p:style>
+          <a:lnRef idx="2">
+            <a:schemeClr val="accent1">
+              <a:shade val="50000"/>
+            </a:schemeClr>
+          </a:lnRef>
+          <a:fillRef idx="1">
+            <a:schemeClr val="accent1"/>
+          </a:fillRef>
+          <a:effectRef idx="0">
+            <a:schemeClr val="accent1"/>
+          </a:effectRef>
+          <a:fontRef idx="minor">
+            <a:schemeClr val="lt1"/>
+          </a:fontRef>
+        </p:style>
+        <p:txBody>
+          <a:bodyPr rtlCol="0" anchor="ctr"/>
+          <a:lstStyle/>
+          <a:p>
+            <a:pPr algn="ctr"/>
+            <a:r>
+              <a:rPr lang="de-AT" dirty="0"/>
+              <a:t>3</a:t>
             </a:r>
           </a:p>
         </p:txBody>
